--- a/pos-exp.pptx
+++ b/pos-exp.pptx
@@ -13,7 +13,7 @@
     <a:defPPr>
       <a:defRPr lang="zh-CN"/>
     </a:defPPr>
-    <a:lvl1pPr marL="0" algn="l" defTabSz="914400" rtl="0" eaLnBrk="1" latinLnBrk="0" hangingPunct="1">
+    <a:lvl1pPr marL="0" algn="l" defTabSz="914357" rtl="0" eaLnBrk="1" latinLnBrk="0" hangingPunct="1">
       <a:defRPr sz="1800" kern="1200">
         <a:solidFill>
           <a:schemeClr val="tx1"/>
@@ -23,7 +23,7 @@
         <a:cs typeface="+mn-cs"/>
       </a:defRPr>
     </a:lvl1pPr>
-    <a:lvl2pPr marL="457200" algn="l" defTabSz="914400" rtl="0" eaLnBrk="1" latinLnBrk="0" hangingPunct="1">
+    <a:lvl2pPr marL="457178" algn="l" defTabSz="914357" rtl="0" eaLnBrk="1" latinLnBrk="0" hangingPunct="1">
       <a:defRPr sz="1800" kern="1200">
         <a:solidFill>
           <a:schemeClr val="tx1"/>
@@ -33,7 +33,7 @@
         <a:cs typeface="+mn-cs"/>
       </a:defRPr>
     </a:lvl2pPr>
-    <a:lvl3pPr marL="914400" algn="l" defTabSz="914400" rtl="0" eaLnBrk="1" latinLnBrk="0" hangingPunct="1">
+    <a:lvl3pPr marL="914357" algn="l" defTabSz="914357" rtl="0" eaLnBrk="1" latinLnBrk="0" hangingPunct="1">
       <a:defRPr sz="1800" kern="1200">
         <a:solidFill>
           <a:schemeClr val="tx1"/>
@@ -43,7 +43,7 @@
         <a:cs typeface="+mn-cs"/>
       </a:defRPr>
     </a:lvl3pPr>
-    <a:lvl4pPr marL="1371600" algn="l" defTabSz="914400" rtl="0" eaLnBrk="1" latinLnBrk="0" hangingPunct="1">
+    <a:lvl4pPr marL="1371536" algn="l" defTabSz="914357" rtl="0" eaLnBrk="1" latinLnBrk="0" hangingPunct="1">
       <a:defRPr sz="1800" kern="1200">
         <a:solidFill>
           <a:schemeClr val="tx1"/>
@@ -53,7 +53,7 @@
         <a:cs typeface="+mn-cs"/>
       </a:defRPr>
     </a:lvl4pPr>
-    <a:lvl5pPr marL="1828800" algn="l" defTabSz="914400" rtl="0" eaLnBrk="1" latinLnBrk="0" hangingPunct="1">
+    <a:lvl5pPr marL="1828714" algn="l" defTabSz="914357" rtl="0" eaLnBrk="1" latinLnBrk="0" hangingPunct="1">
       <a:defRPr sz="1800" kern="1200">
         <a:solidFill>
           <a:schemeClr val="tx1"/>
@@ -63,7 +63,7 @@
         <a:cs typeface="+mn-cs"/>
       </a:defRPr>
     </a:lvl5pPr>
-    <a:lvl6pPr marL="2286000" algn="l" defTabSz="914400" rtl="0" eaLnBrk="1" latinLnBrk="0" hangingPunct="1">
+    <a:lvl6pPr marL="2285892" algn="l" defTabSz="914357" rtl="0" eaLnBrk="1" latinLnBrk="0" hangingPunct="1">
       <a:defRPr sz="1800" kern="1200">
         <a:solidFill>
           <a:schemeClr val="tx1"/>
@@ -73,7 +73,7 @@
         <a:cs typeface="+mn-cs"/>
       </a:defRPr>
     </a:lvl6pPr>
-    <a:lvl7pPr marL="2743200" algn="l" defTabSz="914400" rtl="0" eaLnBrk="1" latinLnBrk="0" hangingPunct="1">
+    <a:lvl7pPr marL="2743070" algn="l" defTabSz="914357" rtl="0" eaLnBrk="1" latinLnBrk="0" hangingPunct="1">
       <a:defRPr sz="1800" kern="1200">
         <a:solidFill>
           <a:schemeClr val="tx1"/>
@@ -83,7 +83,7 @@
         <a:cs typeface="+mn-cs"/>
       </a:defRPr>
     </a:lvl7pPr>
-    <a:lvl8pPr marL="3200400" algn="l" defTabSz="914400" rtl="0" eaLnBrk="1" latinLnBrk="0" hangingPunct="1">
+    <a:lvl8pPr marL="3200249" algn="l" defTabSz="914357" rtl="0" eaLnBrk="1" latinLnBrk="0" hangingPunct="1">
       <a:defRPr sz="1800" kern="1200">
         <a:solidFill>
           <a:schemeClr val="tx1"/>
@@ -93,7 +93,7 @@
         <a:cs typeface="+mn-cs"/>
       </a:defRPr>
     </a:lvl8pPr>
-    <a:lvl9pPr marL="3657600" algn="l" defTabSz="914400" rtl="0" eaLnBrk="1" latinLnBrk="0" hangingPunct="1">
+    <a:lvl9pPr marL="3657428" algn="l" defTabSz="914357" rtl="0" eaLnBrk="1" latinLnBrk="0" hangingPunct="1">
       <a:defRPr sz="1800" kern="1200">
         <a:solidFill>
           <a:schemeClr val="tx1"/>
@@ -104,6 +104,11 @@
       </a:defRPr>
     </a:lvl9pPr>
   </p:defaultTextStyle>
+  <p:extLst>
+    <p:ext uri="{EFAFB233-063F-42B5-8137-9DF3F51BA10A}">
+      <p15:sldGuideLst xmlns:p15="http://schemas.microsoft.com/office/powerpoint/2012/main"/>
+    </p:ext>
+  </p:extLst>
 </p:presentation>
 </file>
 
@@ -966,7 +971,7 @@
         </p:nvSpPr>
         <p:spPr>
           <a:xfrm>
-            <a:off x="831850" y="1709738"/>
+            <a:off x="831850" y="1709739"/>
             <a:ext cx="10515600" cy="2852737"/>
           </a:xfrm>
         </p:spPr>
@@ -1003,7 +1008,7 @@
         </p:nvSpPr>
         <p:spPr>
           <a:xfrm>
-            <a:off x="831850" y="4589463"/>
+            <a:off x="831850" y="4589464"/>
             <a:ext cx="10515600" cy="1500187"/>
           </a:xfrm>
         </p:spPr>
@@ -1506,7 +1511,7 @@
         </p:nvSpPr>
         <p:spPr>
           <a:xfrm>
-            <a:off x="839788" y="365125"/>
+            <a:off x="839788" y="365126"/>
             <a:ext cx="10515600" cy="1325563"/>
           </a:xfrm>
         </p:spPr>
@@ -2172,7 +2177,7 @@
         </p:nvSpPr>
         <p:spPr>
           <a:xfrm>
-            <a:off x="839788" y="457200"/>
+            <a:off x="839789" y="457200"/>
             <a:ext cx="3932237" cy="1600200"/>
           </a:xfrm>
         </p:spPr>
@@ -2209,7 +2214,7 @@
         </p:nvSpPr>
         <p:spPr>
           <a:xfrm>
-            <a:off x="5183188" y="987425"/>
+            <a:off x="5183188" y="987426"/>
             <a:ext cx="6172200" cy="4873625"/>
           </a:xfrm>
         </p:spPr>
@@ -2299,7 +2304,7 @@
         </p:nvSpPr>
         <p:spPr>
           <a:xfrm>
-            <a:off x="839788" y="2057400"/>
+            <a:off x="839789" y="2057400"/>
             <a:ext cx="3932237" cy="3811588"/>
           </a:xfrm>
         </p:spPr>
@@ -2483,7 +2488,7 @@
         </p:nvSpPr>
         <p:spPr>
           <a:xfrm>
-            <a:off x="839788" y="457200"/>
+            <a:off x="839789" y="457200"/>
             <a:ext cx="3932237" cy="1600200"/>
           </a:xfrm>
         </p:spPr>
@@ -2520,7 +2525,7 @@
         </p:nvSpPr>
         <p:spPr>
           <a:xfrm>
-            <a:off x="5183188" y="987425"/>
+            <a:off x="5183188" y="987426"/>
             <a:ext cx="6172200" cy="4873625"/>
           </a:xfrm>
         </p:spPr>
@@ -2587,7 +2592,7 @@
         </p:nvSpPr>
         <p:spPr>
           <a:xfrm>
-            <a:off x="839788" y="2057400"/>
+            <a:off x="839789" y="2057400"/>
             <a:ext cx="3932237" cy="3811588"/>
           </a:xfrm>
         </p:spPr>
@@ -2776,7 +2781,7 @@
         </p:nvSpPr>
         <p:spPr>
           <a:xfrm>
-            <a:off x="838200" y="365125"/>
+            <a:off x="838200" y="365126"/>
             <a:ext cx="10515600" cy="1325563"/>
           </a:xfrm>
           <a:prstGeom prst="rect">
@@ -2881,7 +2886,7 @@
         </p:nvSpPr>
         <p:spPr>
           <a:xfrm>
-            <a:off x="838200" y="6356350"/>
+            <a:off x="838200" y="6356351"/>
             <a:ext cx="2743200" cy="365125"/>
           </a:xfrm>
           <a:prstGeom prst="rect">
@@ -2928,7 +2933,7 @@
         </p:nvSpPr>
         <p:spPr>
           <a:xfrm>
-            <a:off x="4038600" y="6356350"/>
+            <a:off x="4038600" y="6356351"/>
             <a:ext cx="4114800" cy="365125"/>
           </a:xfrm>
           <a:prstGeom prst="rect">
@@ -2971,7 +2976,7 @@
         </p:nvSpPr>
         <p:spPr>
           <a:xfrm>
-            <a:off x="8610600" y="6356350"/>
+            <a:off x="8610600" y="6356351"/>
             <a:ext cx="2743200" cy="365125"/>
           </a:xfrm>
           <a:prstGeom prst="rect">
@@ -3323,10 +3328,10 @@
       </p:grpSpPr>
       <p:pic>
         <p:nvPicPr>
-          <p:cNvPr id="1034" name="图片 1033">
-            <a:extLst>
-              <a:ext uri="{FF2B5EF4-FFF2-40B4-BE49-F238E27FC236}">
-                <a16:creationId xmlns:a16="http://schemas.microsoft.com/office/drawing/2014/main" id="{58FB25F2-F0F4-6391-AE5B-64F15B9AE325}"/>
+          <p:cNvPr id="31" name="图片 30">
+            <a:extLst>
+              <a:ext uri="{FF2B5EF4-FFF2-40B4-BE49-F238E27FC236}">
+                <a16:creationId xmlns:a16="http://schemas.microsoft.com/office/drawing/2014/main" id="{6BFF8E74-6169-42E9-96B7-51C76DE55BA9}"/>
               </a:ext>
             </a:extLst>
           </p:cNvPr>
@@ -3336,7 +3341,37 @@
           <p:nvPr/>
         </p:nvPicPr>
         <p:blipFill>
-          <a:blip r:embed="rId2">
+          <a:blip r:embed="rId2"/>
+          <a:stretch>
+            <a:fillRect/>
+          </a:stretch>
+        </p:blipFill>
+        <p:spPr>
+          <a:xfrm>
+            <a:off x="4288879" y="4572600"/>
+            <a:ext cx="2562225" cy="1171575"/>
+          </a:xfrm>
+          <a:prstGeom prst="rect">
+            <a:avLst/>
+          </a:prstGeom>
+        </p:spPr>
+      </p:pic>
+      <p:pic>
+        <p:nvPicPr>
+          <p:cNvPr id="1034" name="图片 1033">
+            <a:extLst>
+              <a:ext uri="{FF2B5EF4-FFF2-40B4-BE49-F238E27FC236}">
+                <a16:creationId xmlns:a16="http://schemas.microsoft.com/office/drawing/2014/main" id="{58FB25F2-F0F4-6391-AE5B-64F15B9AE325}"/>
+              </a:ext>
+            </a:extLst>
+          </p:cNvPr>
+          <p:cNvPicPr>
+            <a:picLocks noChangeAspect="1"/>
+          </p:cNvPicPr>
+          <p:nvPr/>
+        </p:nvPicPr>
+        <p:blipFill>
+          <a:blip r:embed="rId3">
             <a:extLst>
               <a:ext uri="{28A0092B-C50C-407E-A947-70E740481C1C}">
                 <a14:useLocalDpi xmlns:a14="http://schemas.microsoft.com/office/drawing/2010/main" val="0"/>
@@ -3371,7 +3406,7 @@
         </p:nvSpPr>
         <p:spPr>
           <a:xfrm>
-            <a:off x="2698124" y="2653990"/>
+            <a:off x="2698126" y="2653990"/>
             <a:ext cx="833949" cy="4204010"/>
           </a:xfrm>
           <a:prstGeom prst="downArrow">
@@ -3481,14 +3516,14 @@
           <p:nvPr/>
         </p:nvPicPr>
         <p:blipFill>
-          <a:blip r:embed="rId3"/>
+          <a:blip r:embed="rId4"/>
           <a:stretch>
             <a:fillRect/>
           </a:stretch>
         </p:blipFill>
         <p:spPr>
           <a:xfrm>
-            <a:off x="0" y="104079"/>
+            <a:off x="2" y="104079"/>
             <a:ext cx="2475571" cy="743516"/>
           </a:xfrm>
           <a:prstGeom prst="rect">
@@ -3510,7 +3545,7 @@
         </p:nvSpPr>
         <p:spPr>
           <a:xfrm>
-            <a:off x="3118005" y="133169"/>
+            <a:off x="3118005" y="133171"/>
             <a:ext cx="4780156" cy="584775"/>
           </a:xfrm>
           <a:prstGeom prst="rect">
@@ -3629,7 +3664,7 @@
         </p:nvCxnSpPr>
         <p:spPr>
           <a:xfrm>
-            <a:off x="8040443" y="847595"/>
+            <a:off x="8059493" y="847595"/>
             <a:ext cx="0" cy="6110766"/>
           </a:xfrm>
           <a:prstGeom prst="line">
@@ -3665,7 +3700,7 @@
         </p:nvSpPr>
         <p:spPr>
           <a:xfrm>
-            <a:off x="126380" y="944137"/>
+            <a:off x="126382" y="944139"/>
             <a:ext cx="2995959" cy="461665"/>
           </a:xfrm>
           <a:prstGeom prst="rect">
@@ -3704,7 +3739,7 @@
         </p:nvSpPr>
         <p:spPr>
           <a:xfrm>
-            <a:off x="126379" y="1502343"/>
+            <a:off x="126381" y="1502343"/>
             <a:ext cx="2995959" cy="923330"/>
           </a:xfrm>
           <a:prstGeom prst="rect">
@@ -3765,7 +3800,7 @@
         </p:nvSpPr>
         <p:spPr>
           <a:xfrm>
-            <a:off x="126378" y="2467607"/>
+            <a:off x="126380" y="2467609"/>
             <a:ext cx="2995959" cy="461665"/>
           </a:xfrm>
           <a:prstGeom prst="rect">
@@ -3804,7 +3839,7 @@
         </p:nvGrpSpPr>
         <p:grpSpPr>
           <a:xfrm>
-            <a:off x="148068" y="2801559"/>
+            <a:off x="148070" y="2801560"/>
             <a:ext cx="3554753" cy="1254882"/>
             <a:chOff x="0" y="3092906"/>
             <a:chExt cx="3554753" cy="1254882"/>
@@ -4213,7 +4248,7 @@
         </p:nvGrpSpPr>
         <p:grpSpPr>
           <a:xfrm>
-            <a:off x="-15483" y="4330918"/>
+            <a:off x="-15483" y="4330920"/>
             <a:ext cx="3958064" cy="1129239"/>
             <a:chOff x="-11152" y="4405607"/>
             <a:chExt cx="3958064" cy="1129239"/>
@@ -4234,7 +4269,7 @@
             <p:nvPr/>
           </p:nvPicPr>
           <p:blipFill>
-            <a:blip r:embed="rId4"/>
+            <a:blip r:embed="rId5"/>
             <a:stretch>
               <a:fillRect/>
             </a:stretch>
@@ -4505,7 +4540,7 @@
           <p:nvPr/>
         </p:nvPicPr>
         <p:blipFill>
-          <a:blip r:embed="rId4"/>
+          <a:blip r:embed="rId5"/>
           <a:stretch>
             <a:fillRect/>
           </a:stretch>
@@ -4536,7 +4571,7 @@
         </p:nvCxnSpPr>
         <p:spPr>
           <a:xfrm>
-            <a:off x="1567517" y="6384203"/>
+            <a:off x="1567519" y="6384203"/>
             <a:ext cx="1216573" cy="0"/>
           </a:xfrm>
           <a:prstGeom prst="straightConnector1">
@@ -4575,7 +4610,7 @@
         </p:nvSpPr>
         <p:spPr>
           <a:xfrm>
-            <a:off x="2678400" y="5755050"/>
+            <a:off x="2678402" y="5755052"/>
             <a:ext cx="1023423" cy="307777"/>
           </a:xfrm>
           <a:prstGeom prst="rect">
@@ -4615,7 +4650,7 @@
         </p:nvSpPr>
         <p:spPr>
           <a:xfrm>
-            <a:off x="2707895" y="6176591"/>
+            <a:off x="2707897" y="6176591"/>
             <a:ext cx="1211761" cy="369332"/>
           </a:xfrm>
           <a:prstGeom prst="rect">
@@ -4642,91 +4677,6 @@
             <a:extLst>
               <a:ext uri="{FF2B5EF4-FFF2-40B4-BE49-F238E27FC236}">
                 <a16:creationId xmlns:a16="http://schemas.microsoft.com/office/drawing/2014/main" id="{E5B08065-1F3D-68A9-99EA-294391BA304D}"/>
-              </a:ext>
-            </a:extLst>
-          </p:cNvPr>
-          <p:cNvPicPr>
-            <a:picLocks noChangeAspect="1"/>
-          </p:cNvPicPr>
-          <p:nvPr/>
-        </p:nvPicPr>
-        <p:blipFill>
-          <a:blip r:embed="rId5"/>
-          <a:stretch>
-            <a:fillRect/>
-          </a:stretch>
-        </p:blipFill>
-        <p:spPr>
-          <a:xfrm>
-            <a:off x="4046867" y="1572050"/>
-            <a:ext cx="1223603" cy="1537286"/>
-          </a:xfrm>
-          <a:prstGeom prst="rect">
-            <a:avLst/>
-          </a:prstGeom>
-        </p:spPr>
-      </p:pic>
-      <p:sp>
-        <p:nvSpPr>
-          <p:cNvPr id="54" name="文本框 53">
-            <a:extLst>
-              <a:ext uri="{FF2B5EF4-FFF2-40B4-BE49-F238E27FC236}">
-                <a16:creationId xmlns:a16="http://schemas.microsoft.com/office/drawing/2014/main" id="{CC057242-D9AE-70F6-622B-4B0CD54EA3D7}"/>
-              </a:ext>
-            </a:extLst>
-          </p:cNvPr>
-          <p:cNvSpPr txBox="1"/>
-          <p:nvPr/>
-        </p:nvSpPr>
-        <p:spPr>
-          <a:xfrm>
-            <a:off x="3957017" y="951665"/>
-            <a:ext cx="2995959" cy="461665"/>
-          </a:xfrm>
-          <a:prstGeom prst="rect">
-            <a:avLst/>
-          </a:prstGeom>
-          <a:noFill/>
-        </p:spPr>
-        <p:txBody>
-          <a:bodyPr wrap="square" rtlCol="0">
-            <a:spAutoFit/>
-          </a:bodyPr>
-          <a:lstStyle/>
-          <a:p>
-            <a:r>
-              <a:rPr lang="zh-CN" altLang="en-US" sz="2400" b="1" dirty="0">
-                <a:solidFill>
-                  <a:srgbClr val="9FB47C"/>
-                </a:solidFill>
-              </a:rPr>
-              <a:t>实验流程</a:t>
-            </a:r>
-            <a:r>
-              <a:rPr lang="en-US" altLang="zh-CN" sz="2400" b="1" dirty="0">
-                <a:solidFill>
-                  <a:srgbClr val="9FB47C"/>
-                </a:solidFill>
-              </a:rPr>
-              <a:t>—</a:t>
-            </a:r>
-            <a:r>
-              <a:rPr lang="zh-CN" altLang="en-US" sz="2400" b="1" dirty="0">
-                <a:solidFill>
-                  <a:srgbClr val="9FB47C"/>
-                </a:solidFill>
-              </a:rPr>
-              <a:t>分组</a:t>
-            </a:r>
-          </a:p>
-        </p:txBody>
-      </p:sp>
-      <p:pic>
-        <p:nvPicPr>
-          <p:cNvPr id="56" name="图片 55">
-            <a:extLst>
-              <a:ext uri="{FF2B5EF4-FFF2-40B4-BE49-F238E27FC236}">
-                <a16:creationId xmlns:a16="http://schemas.microsoft.com/office/drawing/2014/main" id="{C1E21CE1-00D8-F35F-2ED7-178AD549F6E1}"/>
               </a:ext>
             </a:extLst>
           </p:cNvPr>
@@ -4743,8 +4693,8 @@
         </p:blipFill>
         <p:spPr>
           <a:xfrm>
-            <a:off x="5503571" y="1859175"/>
-            <a:ext cx="824302" cy="942384"/>
+            <a:off x="4046868" y="1572052"/>
+            <a:ext cx="882270" cy="1108449"/>
           </a:xfrm>
           <a:prstGeom prst="rect">
             <a:avLst/>
@@ -4753,6 +4703,91 @@
       </p:pic>
       <p:sp>
         <p:nvSpPr>
+          <p:cNvPr id="54" name="文本框 53">
+            <a:extLst>
+              <a:ext uri="{FF2B5EF4-FFF2-40B4-BE49-F238E27FC236}">
+                <a16:creationId xmlns:a16="http://schemas.microsoft.com/office/drawing/2014/main" id="{CC057242-D9AE-70F6-622B-4B0CD54EA3D7}"/>
+              </a:ext>
+            </a:extLst>
+          </p:cNvPr>
+          <p:cNvSpPr txBox="1"/>
+          <p:nvPr/>
+        </p:nvSpPr>
+        <p:spPr>
+          <a:xfrm>
+            <a:off x="3957019" y="951667"/>
+            <a:ext cx="2995959" cy="461665"/>
+          </a:xfrm>
+          <a:prstGeom prst="rect">
+            <a:avLst/>
+          </a:prstGeom>
+          <a:noFill/>
+        </p:spPr>
+        <p:txBody>
+          <a:bodyPr wrap="square" rtlCol="0">
+            <a:spAutoFit/>
+          </a:bodyPr>
+          <a:lstStyle/>
+          <a:p>
+            <a:r>
+              <a:rPr lang="zh-CN" altLang="en-US" sz="2400" b="1" dirty="0">
+                <a:solidFill>
+                  <a:srgbClr val="9FB47C"/>
+                </a:solidFill>
+              </a:rPr>
+              <a:t>实验流程</a:t>
+            </a:r>
+            <a:r>
+              <a:rPr lang="en-US" altLang="zh-CN" sz="2400" b="1" dirty="0">
+                <a:solidFill>
+                  <a:srgbClr val="9FB47C"/>
+                </a:solidFill>
+              </a:rPr>
+              <a:t>—</a:t>
+            </a:r>
+            <a:r>
+              <a:rPr lang="zh-CN" altLang="en-US" sz="2400" b="1" dirty="0">
+                <a:solidFill>
+                  <a:srgbClr val="9FB47C"/>
+                </a:solidFill>
+              </a:rPr>
+              <a:t>分组</a:t>
+            </a:r>
+          </a:p>
+        </p:txBody>
+      </p:sp>
+      <p:pic>
+        <p:nvPicPr>
+          <p:cNvPr id="56" name="图片 55">
+            <a:extLst>
+              <a:ext uri="{FF2B5EF4-FFF2-40B4-BE49-F238E27FC236}">
+                <a16:creationId xmlns:a16="http://schemas.microsoft.com/office/drawing/2014/main" id="{C1E21CE1-00D8-F35F-2ED7-178AD549F6E1}"/>
+              </a:ext>
+            </a:extLst>
+          </p:cNvPr>
+          <p:cNvPicPr>
+            <a:picLocks noChangeAspect="1"/>
+          </p:cNvPicPr>
+          <p:nvPr/>
+        </p:nvPicPr>
+        <p:blipFill>
+          <a:blip r:embed="rId7"/>
+          <a:stretch>
+            <a:fillRect/>
+          </a:stretch>
+        </p:blipFill>
+        <p:spPr>
+          <a:xfrm>
+            <a:off x="5182744" y="1670608"/>
+            <a:ext cx="824302" cy="942384"/>
+          </a:xfrm>
+          <a:prstGeom prst="rect">
+            <a:avLst/>
+          </a:prstGeom>
+        </p:spPr>
+      </p:pic>
+      <p:sp>
+        <p:nvSpPr>
           <p:cNvPr id="57" name="加号 56">
             <a:extLst>
               <a:ext uri="{FF2B5EF4-FFF2-40B4-BE49-F238E27FC236}">
@@ -4765,7 +4800,7 @@
         </p:nvSpPr>
         <p:spPr>
           <a:xfrm>
-            <a:off x="5247953" y="2201442"/>
+            <a:off x="4911410" y="1951277"/>
             <a:ext cx="327442" cy="323623"/>
           </a:xfrm>
           <a:prstGeom prst="mathPlus">
@@ -4811,7 +4846,7 @@
         </p:nvSpPr>
         <p:spPr>
           <a:xfrm>
-            <a:off x="4159653" y="3109336"/>
+            <a:off x="3942247" y="2705732"/>
             <a:ext cx="1110817" cy="261610"/>
           </a:xfrm>
           <a:prstGeom prst="rect">
@@ -4847,7 +4882,7 @@
         </p:nvSpPr>
         <p:spPr>
           <a:xfrm>
-            <a:off x="4333240" y="1335294"/>
+            <a:off x="4152250" y="1343907"/>
             <a:ext cx="723647" cy="276999"/>
           </a:xfrm>
           <a:prstGeom prst="rect">
@@ -4882,8 +4917,8 @@
         </p:nvSpPr>
         <p:spPr>
           <a:xfrm>
-            <a:off x="6407150" y="2330367"/>
-            <a:ext cx="419099" cy="95306"/>
+            <a:off x="6044028" y="2094147"/>
+            <a:ext cx="167554" cy="95306"/>
           </a:xfrm>
           <a:prstGeom prst="rightArrow">
             <a:avLst/>
@@ -4914,36 +4949,6 @@
           </a:p>
         </p:txBody>
       </p:sp>
-      <p:pic>
-        <p:nvPicPr>
-          <p:cNvPr id="1024" name="图片 1023">
-            <a:extLst>
-              <a:ext uri="{FF2B5EF4-FFF2-40B4-BE49-F238E27FC236}">
-                <a16:creationId xmlns:a16="http://schemas.microsoft.com/office/drawing/2014/main" id="{7ED2CD20-1557-EA38-1AA6-32582D0B123F}"/>
-              </a:ext>
-            </a:extLst>
-          </p:cNvPr>
-          <p:cNvPicPr>
-            <a:picLocks noChangeAspect="1"/>
-          </p:cNvPicPr>
-          <p:nvPr/>
-        </p:nvPicPr>
-        <p:blipFill>
-          <a:blip r:embed="rId7"/>
-          <a:stretch>
-            <a:fillRect/>
-          </a:stretch>
-        </p:blipFill>
-        <p:spPr>
-          <a:xfrm>
-            <a:off x="7100544" y="1612753"/>
-            <a:ext cx="455432" cy="500334"/>
-          </a:xfrm>
-          <a:prstGeom prst="rect">
-            <a:avLst/>
-          </a:prstGeom>
-        </p:spPr>
-      </p:pic>
       <p:sp>
         <p:nvSpPr>
           <p:cNvPr id="1025" name="文本框 1024">
@@ -4958,7 +4963,7 @@
         </p:nvSpPr>
         <p:spPr>
           <a:xfrm>
-            <a:off x="5558889" y="1359253"/>
+            <a:off x="5151629" y="1359492"/>
             <a:ext cx="848261" cy="276999"/>
           </a:xfrm>
           <a:prstGeom prst="rect">
@@ -4993,7 +4998,7 @@
         </p:nvSpPr>
         <p:spPr>
           <a:xfrm>
-            <a:off x="5449524" y="3137652"/>
+            <a:off x="5100766" y="2706174"/>
             <a:ext cx="1110817" cy="261610"/>
           </a:xfrm>
           <a:prstGeom prst="rect">
@@ -5017,10 +5022,10 @@
       </p:sp>
       <p:sp>
         <p:nvSpPr>
-          <p:cNvPr id="1028" name="文本框 1027">
-            <a:extLst>
-              <a:ext uri="{FF2B5EF4-FFF2-40B4-BE49-F238E27FC236}">
-                <a16:creationId xmlns:a16="http://schemas.microsoft.com/office/drawing/2014/main" id="{683ABDEA-7AC6-65CC-9BA5-8537EC2F53F8}"/>
+          <p:cNvPr id="1031" name="文本框 1030">
+            <a:extLst>
+              <a:ext uri="{FF2B5EF4-FFF2-40B4-BE49-F238E27FC236}">
+                <a16:creationId xmlns:a16="http://schemas.microsoft.com/office/drawing/2014/main" id="{F94F4043-756C-2A5D-7DA6-491065410997}"/>
               </a:ext>
             </a:extLst>
           </p:cNvPr>
@@ -5029,8 +5034,8 @@
         </p:nvSpPr>
         <p:spPr>
           <a:xfrm>
-            <a:off x="7184753" y="2201442"/>
-            <a:ext cx="301101" cy="369332"/>
+            <a:off x="6035657" y="1311139"/>
+            <a:ext cx="1295323" cy="461665"/>
           </a:xfrm>
           <a:prstGeom prst="rect">
             <a:avLst/>
@@ -5044,19 +5049,93 @@
           <a:lstStyle/>
           <a:p>
             <a:r>
-              <a:rPr lang="en-US" altLang="zh-CN" dirty="0"/>
-              <a:t>…</a:t>
-            </a:r>
-            <a:endParaRPr lang="zh-CN" altLang="en-US" dirty="0"/>
+              <a:rPr lang="zh-CN" altLang="en-US" sz="1200" dirty="0"/>
+              <a:t>混合分组，实验人员伪装成被试</a:t>
+            </a:r>
+          </a:p>
+        </p:txBody>
+      </p:sp>
+      <p:sp>
+        <p:nvSpPr>
+          <p:cNvPr id="1032" name="文本框 1031">
+            <a:extLst>
+              <a:ext uri="{FF2B5EF4-FFF2-40B4-BE49-F238E27FC236}">
+                <a16:creationId xmlns:a16="http://schemas.microsoft.com/office/drawing/2014/main" id="{16F9186D-461F-49DF-3D9A-1F67D608CB3D}"/>
+              </a:ext>
+            </a:extLst>
+          </p:cNvPr>
+          <p:cNvSpPr txBox="1"/>
+          <p:nvPr/>
+        </p:nvSpPr>
+        <p:spPr>
+          <a:xfrm>
+            <a:off x="7217347" y="2624816"/>
+            <a:ext cx="939399" cy="600164"/>
+          </a:xfrm>
+          <a:prstGeom prst="rect">
+            <a:avLst/>
+          </a:prstGeom>
+          <a:noFill/>
+        </p:spPr>
+        <p:txBody>
+          <a:bodyPr wrap="square" rtlCol="0">
+            <a:spAutoFit/>
+          </a:bodyPr>
+          <a:lstStyle/>
+          <a:p>
+            <a:r>
+              <a:rPr lang="en-US" altLang="zh-CN" sz="1100" dirty="0"/>
+              <a:t>40</a:t>
+            </a:r>
+            <a:r>
+              <a:rPr lang="zh-CN" altLang="en-US" sz="1100" dirty="0"/>
+              <a:t>组</a:t>
+            </a:r>
+            <a:r>
+              <a:rPr lang="en-US" altLang="zh-CN" sz="1100" dirty="0"/>
+              <a:t>x6</a:t>
+            </a:r>
+            <a:r>
+              <a:rPr lang="zh-CN" altLang="en-US" sz="1100" dirty="0"/>
+              <a:t>人</a:t>
+            </a:r>
+            <a:r>
+              <a:rPr lang="en-US" altLang="zh-CN" sz="1100" dirty="0"/>
+              <a:t>/</a:t>
+            </a:r>
+            <a:r>
+              <a:rPr lang="zh-CN" altLang="en-US" sz="1100" dirty="0"/>
+              <a:t>组</a:t>
+            </a:r>
+            <a:endParaRPr lang="en-US" altLang="zh-CN" sz="1100" dirty="0"/>
+          </a:p>
+          <a:p>
+            <a:r>
+              <a:rPr lang="zh-CN" altLang="en-US" sz="1100" dirty="0"/>
+              <a:t>志愿者</a:t>
+            </a:r>
+            <a:r>
+              <a:rPr lang="en-US" altLang="zh-CN" sz="1100" dirty="0"/>
+              <a:t>:</a:t>
+            </a:r>
+            <a:r>
+              <a:rPr lang="zh-CN" altLang="en-US" sz="1100" dirty="0"/>
+              <a:t>实验人员 </a:t>
+            </a:r>
+            <a:r>
+              <a:rPr lang="en-US" altLang="zh-CN" sz="1100" dirty="0"/>
+              <a:t>= 5:1</a:t>
+            </a:r>
+            <a:endParaRPr lang="zh-CN" altLang="en-US" sz="1100" dirty="0"/>
           </a:p>
         </p:txBody>
       </p:sp>
       <p:pic>
         <p:nvPicPr>
-          <p:cNvPr id="1030" name="图片 1029">
-            <a:extLst>
-              <a:ext uri="{FF2B5EF4-FFF2-40B4-BE49-F238E27FC236}">
-                <a16:creationId xmlns:a16="http://schemas.microsoft.com/office/drawing/2014/main" id="{D568F411-3652-08FB-3E51-1D365384274D}"/>
+          <p:cNvPr id="3" name="图片 2">
+            <a:extLst>
+              <a:ext uri="{FF2B5EF4-FFF2-40B4-BE49-F238E27FC236}">
+                <a16:creationId xmlns:a16="http://schemas.microsoft.com/office/drawing/2014/main" id="{743A7D23-8F41-8140-4BB1-BDA55F784C20}"/>
               </a:ext>
             </a:extLst>
           </p:cNvPr>
@@ -5073,8 +5152,8 @@
         </p:blipFill>
         <p:spPr>
           <a:xfrm>
-            <a:off x="7017513" y="2561639"/>
-            <a:ext cx="531100" cy="547697"/>
+            <a:off x="6196324" y="1699612"/>
+            <a:ext cx="1771267" cy="1013615"/>
           </a:xfrm>
           <a:prstGeom prst="rect">
             <a:avLst/>
@@ -5083,10 +5162,10 @@
       </p:pic>
       <p:sp>
         <p:nvSpPr>
-          <p:cNvPr id="1031" name="文本框 1030">
-            <a:extLst>
-              <a:ext uri="{FF2B5EF4-FFF2-40B4-BE49-F238E27FC236}">
-                <a16:creationId xmlns:a16="http://schemas.microsoft.com/office/drawing/2014/main" id="{F94F4043-756C-2A5D-7DA6-491065410997}"/>
+          <p:cNvPr id="4" name="文本框 3">
+            <a:extLst>
+              <a:ext uri="{FF2B5EF4-FFF2-40B4-BE49-F238E27FC236}">
+                <a16:creationId xmlns:a16="http://schemas.microsoft.com/office/drawing/2014/main" id="{F89F615C-D452-6D08-C516-1E8AC5E84147}"/>
               </a:ext>
             </a:extLst>
           </p:cNvPr>
@@ -5095,8 +5174,8 @@
         </p:nvSpPr>
         <p:spPr>
           <a:xfrm>
-            <a:off x="6680598" y="1208943"/>
-            <a:ext cx="1295323" cy="461665"/>
+            <a:off x="3942611" y="2975822"/>
+            <a:ext cx="2995959" cy="461665"/>
           </a:xfrm>
           <a:prstGeom prst="rect">
             <a:avLst/>
@@ -5110,18 +5189,38 @@
           <a:lstStyle/>
           <a:p>
             <a:r>
-              <a:rPr lang="zh-CN" altLang="en-US" sz="1200" dirty="0"/>
-              <a:t>混合分组，实验人员伪装成被试</a:t>
-            </a:r>
-          </a:p>
-        </p:txBody>
-      </p:sp>
-      <p:sp>
-        <p:nvSpPr>
-          <p:cNvPr id="1032" name="文本框 1031">
-            <a:extLst>
-              <a:ext uri="{FF2B5EF4-FFF2-40B4-BE49-F238E27FC236}">
-                <a16:creationId xmlns:a16="http://schemas.microsoft.com/office/drawing/2014/main" id="{16F9186D-461F-49DF-3D9A-1F67D608CB3D}"/>
+              <a:rPr lang="zh-CN" altLang="en-US" sz="2400" b="1" dirty="0">
+                <a:solidFill>
+                  <a:srgbClr val="9FB47C"/>
+                </a:solidFill>
+              </a:rPr>
+              <a:t>实验流程</a:t>
+            </a:r>
+            <a:r>
+              <a:rPr lang="en-US" altLang="zh-CN" sz="2400" b="1" dirty="0">
+                <a:solidFill>
+                  <a:srgbClr val="9FB47C"/>
+                </a:solidFill>
+              </a:rPr>
+              <a:t>—</a:t>
+            </a:r>
+            <a:r>
+              <a:rPr lang="zh-CN" altLang="en-US" sz="2400" b="1" dirty="0">
+                <a:solidFill>
+                  <a:srgbClr val="9FB47C"/>
+                </a:solidFill>
+              </a:rPr>
+              <a:t>“测试”</a:t>
+            </a:r>
+          </a:p>
+        </p:txBody>
+      </p:sp>
+      <p:sp>
+        <p:nvSpPr>
+          <p:cNvPr id="6" name="文本框 5">
+            <a:extLst>
+              <a:ext uri="{FF2B5EF4-FFF2-40B4-BE49-F238E27FC236}">
+                <a16:creationId xmlns:a16="http://schemas.microsoft.com/office/drawing/2014/main" id="{6B7FAC83-9AAB-C332-EBFA-48E9C9F4D3D7}"/>
               </a:ext>
             </a:extLst>
           </p:cNvPr>
@@ -5130,8 +5229,8 @@
         </p:nvSpPr>
         <p:spPr>
           <a:xfrm>
-            <a:off x="6863110" y="3106142"/>
-            <a:ext cx="1258885" cy="600164"/>
+            <a:off x="7939046" y="236212"/>
+            <a:ext cx="3352142" cy="523220"/>
           </a:xfrm>
           <a:prstGeom prst="rect">
             <a:avLst/>
@@ -5145,52 +5244,739 @@
           <a:lstStyle/>
           <a:p>
             <a:r>
-              <a:rPr lang="en-US" altLang="zh-CN" sz="1100" dirty="0"/>
-              <a:t>40</a:t>
-            </a:r>
-            <a:r>
-              <a:rPr lang="zh-CN" altLang="en-US" sz="1100" dirty="0"/>
-              <a:t>组</a:t>
-            </a:r>
-            <a:r>
-              <a:rPr lang="en-US" altLang="zh-CN" sz="1100" dirty="0"/>
-              <a:t>x6</a:t>
-            </a:r>
-            <a:r>
-              <a:rPr lang="zh-CN" altLang="en-US" sz="1100" dirty="0"/>
-              <a:t>人</a:t>
-            </a:r>
-            <a:r>
-              <a:rPr lang="en-US" altLang="zh-CN" sz="1100" dirty="0"/>
-              <a:t>/</a:t>
-            </a:r>
-            <a:r>
-              <a:rPr lang="zh-CN" altLang="en-US" sz="1100" dirty="0"/>
-              <a:t>组</a:t>
-            </a:r>
-            <a:endParaRPr lang="en-US" altLang="zh-CN" sz="1100" dirty="0"/>
-          </a:p>
-          <a:p>
-            <a:r>
-              <a:rPr lang="zh-CN" altLang="en-US" sz="1100" dirty="0"/>
-              <a:t>志愿者</a:t>
-            </a:r>
-            <a:r>
-              <a:rPr lang="en-US" altLang="zh-CN" sz="1100" dirty="0"/>
-              <a:t>:</a:t>
-            </a:r>
-            <a:r>
-              <a:rPr lang="zh-CN" altLang="en-US" sz="1100" dirty="0"/>
-              <a:t>实验人员 </a:t>
-            </a:r>
-            <a:r>
-              <a:rPr lang="en-US" altLang="zh-CN" sz="1100" dirty="0"/>
-              <a:t>= 5:1</a:t>
-            </a:r>
-            <a:endParaRPr lang="zh-CN" altLang="en-US" sz="1100" dirty="0"/>
-          </a:p>
-        </p:txBody>
-      </p:sp>
+              <a:rPr lang="zh-CN" altLang="zh-CN" sz="1400" b="1" kern="100" dirty="0">
+                <a:solidFill>
+                  <a:schemeClr val="bg2">
+                    <a:lumMod val="75000"/>
+                  </a:schemeClr>
+                </a:solidFill>
+                <a:latin typeface="Calibri" panose="020F0502020204030204" pitchFamily="34" charset="0"/>
+                <a:ea typeface="宋体" panose="02010600030101010101" pitchFamily="2" charset="-122"/>
+                <a:cs typeface="Times New Roman" panose="02020603050405020304" pitchFamily="18" charset="0"/>
+              </a:rPr>
+              <a:t>社心</a:t>
+            </a:r>
+            <a:r>
+              <a:rPr lang="en-US" altLang="zh-CN" sz="1400" b="1" kern="100" dirty="0">
+                <a:solidFill>
+                  <a:schemeClr val="bg2">
+                    <a:lumMod val="75000"/>
+                  </a:schemeClr>
+                </a:solidFill>
+                <a:latin typeface="Calibri" panose="020F0502020204030204" pitchFamily="34" charset="0"/>
+                <a:ea typeface="宋体" panose="02010600030101010101" pitchFamily="2" charset="-122"/>
+                <a:cs typeface="Times New Roman" panose="02020603050405020304" pitchFamily="18" charset="0"/>
+              </a:rPr>
+              <a:t>20</a:t>
+            </a:r>
+            <a:r>
+              <a:rPr lang="zh-CN" altLang="zh-CN" sz="1400" b="1" kern="100" dirty="0">
+                <a:solidFill>
+                  <a:schemeClr val="bg2">
+                    <a:lumMod val="75000"/>
+                  </a:schemeClr>
+                </a:solidFill>
+                <a:latin typeface="Calibri" panose="020F0502020204030204" pitchFamily="34" charset="0"/>
+                <a:ea typeface="宋体" panose="02010600030101010101" pitchFamily="2" charset="-122"/>
+                <a:cs typeface="Times New Roman" panose="02020603050405020304" pitchFamily="18" charset="0"/>
+              </a:rPr>
+              <a:t>组 </a:t>
+            </a:r>
+            <a:endParaRPr lang="en-US" altLang="zh-CN" sz="1400" b="1" kern="100" dirty="0">
+              <a:solidFill>
+                <a:schemeClr val="bg2">
+                  <a:lumMod val="75000"/>
+                </a:schemeClr>
+              </a:solidFill>
+              <a:latin typeface="Calibri" panose="020F0502020204030204" pitchFamily="34" charset="0"/>
+              <a:ea typeface="宋体" panose="02010600030101010101" pitchFamily="2" charset="-122"/>
+              <a:cs typeface="Times New Roman" panose="02020603050405020304" pitchFamily="18" charset="0"/>
+            </a:endParaRPr>
+          </a:p>
+          <a:p>
+            <a:r>
+              <a:rPr lang="zh-CN" altLang="zh-CN" sz="1400" b="1" kern="100" dirty="0">
+                <a:solidFill>
+                  <a:schemeClr val="bg2">
+                    <a:lumMod val="75000"/>
+                  </a:schemeClr>
+                </a:solidFill>
+                <a:latin typeface="Calibri" panose="020F0502020204030204" pitchFamily="34" charset="0"/>
+                <a:ea typeface="宋体" panose="02010600030101010101" pitchFamily="2" charset="-122"/>
+                <a:cs typeface="Times New Roman" panose="02020603050405020304" pitchFamily="18" charset="0"/>
+              </a:rPr>
+              <a:t>梁宸菲 魏雪懿 杜新宇 李思涵 李安娜</a:t>
+            </a:r>
+          </a:p>
+        </p:txBody>
+      </p:sp>
+      <p:pic>
+        <p:nvPicPr>
+          <p:cNvPr id="18" name="图片 17">
+            <a:extLst>
+              <a:ext uri="{FF2B5EF4-FFF2-40B4-BE49-F238E27FC236}">
+                <a16:creationId xmlns:a16="http://schemas.microsoft.com/office/drawing/2014/main" id="{CE2CBD86-7104-F296-EBF0-38DB4DCEC296}"/>
+              </a:ext>
+            </a:extLst>
+          </p:cNvPr>
+          <p:cNvPicPr>
+            <a:picLocks noChangeAspect="1"/>
+          </p:cNvPicPr>
+          <p:nvPr/>
+        </p:nvPicPr>
+        <p:blipFill>
+          <a:blip r:embed="rId9"/>
+          <a:stretch>
+            <a:fillRect/>
+          </a:stretch>
+        </p:blipFill>
+        <p:spPr>
+          <a:xfrm>
+            <a:off x="3883380" y="3551545"/>
+            <a:ext cx="1392044" cy="665274"/>
+          </a:xfrm>
+          <a:prstGeom prst="rect">
+            <a:avLst/>
+          </a:prstGeom>
+        </p:spPr>
+      </p:pic>
+      <p:pic>
+        <p:nvPicPr>
+          <p:cNvPr id="26" name="图片 25">
+            <a:extLst>
+              <a:ext uri="{FF2B5EF4-FFF2-40B4-BE49-F238E27FC236}">
+                <a16:creationId xmlns:a16="http://schemas.microsoft.com/office/drawing/2014/main" id="{76FA6AB0-9EFB-CA2F-AFC3-3F8CDBB25CA5}"/>
+              </a:ext>
+            </a:extLst>
+          </p:cNvPr>
+          <p:cNvPicPr>
+            <a:picLocks noChangeAspect="1"/>
+          </p:cNvPicPr>
+          <p:nvPr/>
+        </p:nvPicPr>
+        <p:blipFill>
+          <a:blip r:embed="rId10"/>
+          <a:stretch>
+            <a:fillRect/>
+          </a:stretch>
+        </p:blipFill>
+        <p:spPr>
+          <a:xfrm>
+            <a:off x="5264092" y="3498746"/>
+            <a:ext cx="2763270" cy="746059"/>
+          </a:xfrm>
+          <a:prstGeom prst="rect">
+            <a:avLst/>
+          </a:prstGeom>
+        </p:spPr>
+      </p:pic>
+      <p:sp>
+        <p:nvSpPr>
+          <p:cNvPr id="29" name="文本框 28">
+            <a:extLst>
+              <a:ext uri="{FF2B5EF4-FFF2-40B4-BE49-F238E27FC236}">
+                <a16:creationId xmlns:a16="http://schemas.microsoft.com/office/drawing/2014/main" id="{CD0DA97C-BD8A-6A03-31FB-532935F7D1E5}"/>
+              </a:ext>
+            </a:extLst>
+          </p:cNvPr>
+          <p:cNvSpPr txBox="1"/>
+          <p:nvPr/>
+        </p:nvSpPr>
+        <p:spPr>
+          <a:xfrm>
+            <a:off x="3952566" y="4253975"/>
+            <a:ext cx="2995959" cy="461665"/>
+          </a:xfrm>
+          <a:prstGeom prst="rect">
+            <a:avLst/>
+          </a:prstGeom>
+          <a:noFill/>
+        </p:spPr>
+        <p:txBody>
+          <a:bodyPr wrap="square" rtlCol="0">
+            <a:spAutoFit/>
+          </a:bodyPr>
+          <a:lstStyle/>
+          <a:p>
+            <a:r>
+              <a:rPr lang="zh-CN" altLang="en-US" sz="2400" b="1" dirty="0">
+                <a:solidFill>
+                  <a:srgbClr val="9FB47C"/>
+                </a:solidFill>
+              </a:rPr>
+              <a:t>实验流程</a:t>
+            </a:r>
+            <a:r>
+              <a:rPr lang="en-US" altLang="zh-CN" sz="2400" b="1" dirty="0">
+                <a:solidFill>
+                  <a:srgbClr val="9FB47C"/>
+                </a:solidFill>
+              </a:rPr>
+              <a:t>—</a:t>
+            </a:r>
+            <a:r>
+              <a:rPr lang="zh-CN" altLang="en-US" sz="2400" b="1" dirty="0">
+                <a:solidFill>
+                  <a:srgbClr val="9FB47C"/>
+                </a:solidFill>
+              </a:rPr>
+              <a:t>团队合作</a:t>
+            </a:r>
+          </a:p>
+        </p:txBody>
+      </p:sp>
+      <p:sp>
+        <p:nvSpPr>
+          <p:cNvPr id="35" name="文本框 34">
+            <a:extLst>
+              <a:ext uri="{FF2B5EF4-FFF2-40B4-BE49-F238E27FC236}">
+                <a16:creationId xmlns:a16="http://schemas.microsoft.com/office/drawing/2014/main" id="{6DBB30A3-3D0A-DC42-0203-5846C3D98117}"/>
+              </a:ext>
+            </a:extLst>
+          </p:cNvPr>
+          <p:cNvSpPr txBox="1"/>
+          <p:nvPr/>
+        </p:nvSpPr>
+        <p:spPr>
+          <a:xfrm>
+            <a:off x="3969548" y="4711990"/>
+            <a:ext cx="319331" cy="923330"/>
+          </a:xfrm>
+          <a:prstGeom prst="rect">
+            <a:avLst/>
+          </a:prstGeom>
+          <a:noFill/>
+        </p:spPr>
+        <p:txBody>
+          <a:bodyPr wrap="square" rtlCol="0">
+            <a:spAutoFit/>
+          </a:bodyPr>
+          <a:lstStyle/>
+          <a:p>
+            <a:r>
+              <a:rPr lang="zh-CN" altLang="en-US" dirty="0"/>
+              <a:t>对照组</a:t>
+            </a:r>
+          </a:p>
+        </p:txBody>
+      </p:sp>
+      <p:cxnSp>
+        <p:nvCxnSpPr>
+          <p:cNvPr id="39" name="直接箭头连接符 38">
+            <a:extLst>
+              <a:ext uri="{FF2B5EF4-FFF2-40B4-BE49-F238E27FC236}">
+                <a16:creationId xmlns:a16="http://schemas.microsoft.com/office/drawing/2014/main" id="{A51D648D-F49D-CCA8-CC71-57C8C56B098C}"/>
+              </a:ext>
+            </a:extLst>
+          </p:cNvPr>
+          <p:cNvCxnSpPr/>
+          <p:nvPr/>
+        </p:nvCxnSpPr>
+        <p:spPr>
+          <a:xfrm>
+            <a:off x="5100766" y="5389756"/>
+            <a:ext cx="2116581" cy="0"/>
+          </a:xfrm>
+          <a:prstGeom prst="straightConnector1">
+            <a:avLst/>
+          </a:prstGeom>
+          <a:ln>
+            <a:tailEnd type="triangle"/>
+          </a:ln>
+        </p:spPr>
+        <p:style>
+          <a:lnRef idx="1">
+            <a:schemeClr val="dk1"/>
+          </a:lnRef>
+          <a:fillRef idx="0">
+            <a:schemeClr val="dk1"/>
+          </a:fillRef>
+          <a:effectRef idx="0">
+            <a:schemeClr val="dk1"/>
+          </a:effectRef>
+          <a:fontRef idx="minor">
+            <a:schemeClr val="tx1"/>
+          </a:fontRef>
+        </p:style>
+      </p:cxnSp>
+      <p:sp>
+        <p:nvSpPr>
+          <p:cNvPr id="50" name="文本框 49">
+            <a:extLst>
+              <a:ext uri="{FF2B5EF4-FFF2-40B4-BE49-F238E27FC236}">
+                <a16:creationId xmlns:a16="http://schemas.microsoft.com/office/drawing/2014/main" id="{07100518-9DE2-7BC2-137D-A01113251AF0}"/>
+              </a:ext>
+            </a:extLst>
+          </p:cNvPr>
+          <p:cNvSpPr txBox="1"/>
+          <p:nvPr/>
+        </p:nvSpPr>
+        <p:spPr>
+          <a:xfrm>
+            <a:off x="7166010" y="4827502"/>
+            <a:ext cx="971531" cy="830997"/>
+          </a:xfrm>
+          <a:prstGeom prst="rect">
+            <a:avLst/>
+          </a:prstGeom>
+          <a:noFill/>
+        </p:spPr>
+        <p:txBody>
+          <a:bodyPr wrap="square" rtlCol="0">
+            <a:spAutoFit/>
+          </a:bodyPr>
+          <a:lstStyle/>
+          <a:p>
+            <a:r>
+              <a:rPr lang="zh-CN" altLang="en-US" sz="1200" dirty="0"/>
+              <a:t>实验人员卖菜的情况下</a:t>
+            </a:r>
+            <a:endParaRPr lang="en-US" altLang="zh-CN" sz="1200" dirty="0"/>
+          </a:p>
+          <a:p>
+            <a:r>
+              <a:rPr lang="zh-CN" altLang="en-US" sz="1200" dirty="0"/>
+              <a:t>完成话题讨论</a:t>
+            </a:r>
+          </a:p>
+        </p:txBody>
+      </p:sp>
+      <p:sp>
+        <p:nvSpPr>
+          <p:cNvPr id="51" name="文本框 50">
+            <a:extLst>
+              <a:ext uri="{FF2B5EF4-FFF2-40B4-BE49-F238E27FC236}">
+                <a16:creationId xmlns:a16="http://schemas.microsoft.com/office/drawing/2014/main" id="{D18E1C61-0C42-2A36-7341-D58E963D84E9}"/>
+              </a:ext>
+            </a:extLst>
+          </p:cNvPr>
+          <p:cNvSpPr txBox="1"/>
+          <p:nvPr/>
+        </p:nvSpPr>
+        <p:spPr>
+          <a:xfrm>
+            <a:off x="3960543" y="5738978"/>
+            <a:ext cx="319331" cy="923330"/>
+          </a:xfrm>
+          <a:prstGeom prst="rect">
+            <a:avLst/>
+          </a:prstGeom>
+          <a:noFill/>
+        </p:spPr>
+        <p:txBody>
+          <a:bodyPr wrap="square" rtlCol="0">
+            <a:spAutoFit/>
+          </a:bodyPr>
+          <a:lstStyle/>
+          <a:p>
+            <a:r>
+              <a:rPr lang="zh-CN" altLang="en-US" dirty="0"/>
+              <a:t>实验组</a:t>
+            </a:r>
+          </a:p>
+        </p:txBody>
+      </p:sp>
+      <p:pic>
+        <p:nvPicPr>
+          <p:cNvPr id="55" name="图片 54">
+            <a:extLst>
+              <a:ext uri="{FF2B5EF4-FFF2-40B4-BE49-F238E27FC236}">
+                <a16:creationId xmlns:a16="http://schemas.microsoft.com/office/drawing/2014/main" id="{D20AA55F-EA83-4745-AA41-86DA1030303D}"/>
+              </a:ext>
+            </a:extLst>
+          </p:cNvPr>
+          <p:cNvPicPr>
+            <a:picLocks noChangeAspect="1"/>
+          </p:cNvPicPr>
+          <p:nvPr/>
+        </p:nvPicPr>
+        <p:blipFill>
+          <a:blip r:embed="rId11"/>
+          <a:stretch>
+            <a:fillRect/>
+          </a:stretch>
+        </p:blipFill>
+        <p:spPr>
+          <a:xfrm>
+            <a:off x="4361610" y="5815845"/>
+            <a:ext cx="794487" cy="846463"/>
+          </a:xfrm>
+          <a:prstGeom prst="rect">
+            <a:avLst/>
+          </a:prstGeom>
+        </p:spPr>
+      </p:pic>
+      <p:cxnSp>
+        <p:nvCxnSpPr>
+          <p:cNvPr id="61" name="直接箭头连接符 60">
+            <a:extLst>
+              <a:ext uri="{FF2B5EF4-FFF2-40B4-BE49-F238E27FC236}">
+                <a16:creationId xmlns:a16="http://schemas.microsoft.com/office/drawing/2014/main" id="{53E2E3D6-FD4F-6D95-7632-656C4D1B45AC}"/>
+              </a:ext>
+            </a:extLst>
+          </p:cNvPr>
+          <p:cNvCxnSpPr/>
+          <p:nvPr/>
+        </p:nvCxnSpPr>
+        <p:spPr>
+          <a:xfrm>
+            <a:off x="5100765" y="6239076"/>
+            <a:ext cx="2116581" cy="0"/>
+          </a:xfrm>
+          <a:prstGeom prst="straightConnector1">
+            <a:avLst/>
+          </a:prstGeom>
+          <a:ln>
+            <a:tailEnd type="triangle"/>
+          </a:ln>
+        </p:spPr>
+        <p:style>
+          <a:lnRef idx="1">
+            <a:schemeClr val="dk1"/>
+          </a:lnRef>
+          <a:fillRef idx="0">
+            <a:schemeClr val="dk1"/>
+          </a:fillRef>
+          <a:effectRef idx="0">
+            <a:schemeClr val="dk1"/>
+          </a:effectRef>
+          <a:fontRef idx="minor">
+            <a:schemeClr val="tx1"/>
+          </a:fontRef>
+        </p:style>
+      </p:cxnSp>
+      <p:sp>
+        <p:nvSpPr>
+          <p:cNvPr id="62" name="文本框 61">
+            <a:extLst>
+              <a:ext uri="{FF2B5EF4-FFF2-40B4-BE49-F238E27FC236}">
+                <a16:creationId xmlns:a16="http://schemas.microsoft.com/office/drawing/2014/main" id="{534521E6-FFF2-373C-1A07-F8E05DD26942}"/>
+              </a:ext>
+            </a:extLst>
+          </p:cNvPr>
+          <p:cNvSpPr txBox="1"/>
+          <p:nvPr/>
+        </p:nvSpPr>
+        <p:spPr>
+          <a:xfrm>
+            <a:off x="7216420" y="5776124"/>
+            <a:ext cx="843072" cy="1015663"/>
+          </a:xfrm>
+          <a:prstGeom prst="rect">
+            <a:avLst/>
+          </a:prstGeom>
+          <a:noFill/>
+        </p:spPr>
+        <p:txBody>
+          <a:bodyPr wrap="square" rtlCol="0">
+            <a:spAutoFit/>
+          </a:bodyPr>
+          <a:lstStyle/>
+          <a:p>
+            <a:r>
+              <a:rPr lang="zh-CN" altLang="en-US" sz="1200" dirty="0"/>
+              <a:t>实验人员正常参与的情况下</a:t>
+            </a:r>
+            <a:endParaRPr lang="en-US" altLang="zh-CN" sz="1200" dirty="0"/>
+          </a:p>
+          <a:p>
+            <a:r>
+              <a:rPr lang="zh-CN" altLang="en-US" sz="1200" dirty="0"/>
+              <a:t>完成话题讨论</a:t>
+            </a:r>
+          </a:p>
+        </p:txBody>
+      </p:sp>
+      <p:sp>
+        <p:nvSpPr>
+          <p:cNvPr id="63" name="文本框 62">
+            <a:extLst>
+              <a:ext uri="{FF2B5EF4-FFF2-40B4-BE49-F238E27FC236}">
+                <a16:creationId xmlns:a16="http://schemas.microsoft.com/office/drawing/2014/main" id="{DC2601BD-835C-DF55-6B2E-006283CF4C05}"/>
+              </a:ext>
+            </a:extLst>
+          </p:cNvPr>
+          <p:cNvSpPr txBox="1"/>
+          <p:nvPr/>
+        </p:nvSpPr>
+        <p:spPr>
+          <a:xfrm>
+            <a:off x="8358394" y="955100"/>
+            <a:ext cx="2995959" cy="461665"/>
+          </a:xfrm>
+          <a:prstGeom prst="rect">
+            <a:avLst/>
+          </a:prstGeom>
+          <a:noFill/>
+        </p:spPr>
+        <p:txBody>
+          <a:bodyPr wrap="square" rtlCol="0">
+            <a:spAutoFit/>
+          </a:bodyPr>
+          <a:lstStyle/>
+          <a:p>
+            <a:r>
+              <a:rPr lang="zh-CN" altLang="en-US" sz="2400" b="1" dirty="0">
+                <a:solidFill>
+                  <a:srgbClr val="9FB47C"/>
+                </a:solidFill>
+              </a:rPr>
+              <a:t>实验流程</a:t>
+            </a:r>
+            <a:r>
+              <a:rPr lang="en-US" altLang="zh-CN" sz="2400" b="1" dirty="0">
+                <a:solidFill>
+                  <a:srgbClr val="9FB47C"/>
+                </a:solidFill>
+              </a:rPr>
+              <a:t>—</a:t>
+            </a:r>
+            <a:r>
+              <a:rPr lang="zh-CN" altLang="en-US" sz="2400" b="1" dirty="0">
+                <a:solidFill>
+                  <a:srgbClr val="9FB47C"/>
+                </a:solidFill>
+              </a:rPr>
+              <a:t>数据收集</a:t>
+            </a:r>
+          </a:p>
+        </p:txBody>
+      </p:sp>
+      <p:sp>
+        <p:nvSpPr>
+          <p:cNvPr id="1026" name="文本框 1025">
+            <a:extLst>
+              <a:ext uri="{FF2B5EF4-FFF2-40B4-BE49-F238E27FC236}">
+                <a16:creationId xmlns:a16="http://schemas.microsoft.com/office/drawing/2014/main" id="{35A25048-28AC-1C41-2D2C-45E5A90821A9}"/>
+              </a:ext>
+            </a:extLst>
+          </p:cNvPr>
+          <p:cNvSpPr txBox="1"/>
+          <p:nvPr/>
+        </p:nvSpPr>
+        <p:spPr>
+          <a:xfrm>
+            <a:off x="8358394" y="3401737"/>
+            <a:ext cx="2995959" cy="461665"/>
+          </a:xfrm>
+          <a:prstGeom prst="rect">
+            <a:avLst/>
+          </a:prstGeom>
+          <a:noFill/>
+        </p:spPr>
+        <p:txBody>
+          <a:bodyPr wrap="square" rtlCol="0">
+            <a:spAutoFit/>
+          </a:bodyPr>
+          <a:lstStyle/>
+          <a:p>
+            <a:r>
+              <a:rPr lang="zh-CN" altLang="en-US" sz="2400" b="1" dirty="0">
+                <a:solidFill>
+                  <a:srgbClr val="9FB47C"/>
+                </a:solidFill>
+              </a:rPr>
+              <a:t>数据分析</a:t>
+            </a:r>
+          </a:p>
+        </p:txBody>
+      </p:sp>
+      <p:sp>
+        <p:nvSpPr>
+          <p:cNvPr id="1029" name="文本框 1028">
+            <a:extLst>
+              <a:ext uri="{FF2B5EF4-FFF2-40B4-BE49-F238E27FC236}">
+                <a16:creationId xmlns:a16="http://schemas.microsoft.com/office/drawing/2014/main" id="{7468D188-5D92-DE0B-30DC-93A2E8D0F094}"/>
+              </a:ext>
+            </a:extLst>
+          </p:cNvPr>
+          <p:cNvSpPr txBox="1"/>
+          <p:nvPr/>
+        </p:nvSpPr>
+        <p:spPr>
+          <a:xfrm>
+            <a:off x="8358394" y="4839096"/>
+            <a:ext cx="3480719" cy="461665"/>
+          </a:xfrm>
+          <a:prstGeom prst="rect">
+            <a:avLst/>
+          </a:prstGeom>
+          <a:noFill/>
+        </p:spPr>
+        <p:txBody>
+          <a:bodyPr wrap="square" rtlCol="0">
+            <a:spAutoFit/>
+          </a:bodyPr>
+          <a:lstStyle/>
+          <a:p>
+            <a:r>
+              <a:rPr lang="zh-CN" altLang="en-US" sz="2400" b="1" dirty="0">
+                <a:solidFill>
+                  <a:srgbClr val="9FB47C"/>
+                </a:solidFill>
+              </a:rPr>
+              <a:t>结果预测、讨论与总结</a:t>
+            </a:r>
+          </a:p>
+        </p:txBody>
+      </p:sp>
+      <p:sp>
+        <p:nvSpPr>
+          <p:cNvPr id="1033" name="文本框 1032">
+            <a:extLst>
+              <a:ext uri="{FF2B5EF4-FFF2-40B4-BE49-F238E27FC236}">
+                <a16:creationId xmlns:a16="http://schemas.microsoft.com/office/drawing/2014/main" id="{3A825746-5837-5732-FF5B-223F9ECF50DC}"/>
+              </a:ext>
+            </a:extLst>
+          </p:cNvPr>
+          <p:cNvSpPr txBox="1"/>
+          <p:nvPr/>
+        </p:nvSpPr>
+        <p:spPr>
+          <a:xfrm>
+            <a:off x="5406839" y="5555409"/>
+            <a:ext cx="1393963" cy="523220"/>
+          </a:xfrm>
+          <a:prstGeom prst="rect">
+            <a:avLst/>
+          </a:prstGeom>
+          <a:noFill/>
+        </p:spPr>
+        <p:txBody>
+          <a:bodyPr wrap="square" rtlCol="0">
+            <a:spAutoFit/>
+          </a:bodyPr>
+          <a:lstStyle/>
+          <a:p>
+            <a:r>
+              <a:rPr lang="zh-CN" altLang="en-US" sz="1400" dirty="0"/>
+              <a:t>话题：景区规划方案设计</a:t>
+            </a:r>
+          </a:p>
+        </p:txBody>
+      </p:sp>
+      <p:sp>
+        <p:nvSpPr>
+          <p:cNvPr id="1035" name="矩形 1034">
+            <a:extLst>
+              <a:ext uri="{FF2B5EF4-FFF2-40B4-BE49-F238E27FC236}">
+                <a16:creationId xmlns:a16="http://schemas.microsoft.com/office/drawing/2014/main" id="{3022979F-D761-7B7F-4AFD-70EC5851D0B3}"/>
+              </a:ext>
+            </a:extLst>
+          </p:cNvPr>
+          <p:cNvSpPr/>
+          <p:nvPr/>
+        </p:nvSpPr>
+        <p:spPr>
+          <a:xfrm>
+            <a:off x="5434681" y="5555283"/>
+            <a:ext cx="1187826" cy="507388"/>
+          </a:xfrm>
+          <a:prstGeom prst="rect">
+            <a:avLst/>
+          </a:prstGeom>
+          <a:noFill/>
+        </p:spPr>
+        <p:style>
+          <a:lnRef idx="2">
+            <a:schemeClr val="accent6"/>
+          </a:lnRef>
+          <a:fillRef idx="1">
+            <a:schemeClr val="lt1"/>
+          </a:fillRef>
+          <a:effectRef idx="0">
+            <a:schemeClr val="accent6"/>
+          </a:effectRef>
+          <a:fontRef idx="minor">
+            <a:schemeClr val="dk1"/>
+          </a:fontRef>
+        </p:style>
+        <p:txBody>
+          <a:bodyPr rtlCol="0" anchor="ctr"/>
+          <a:lstStyle/>
+          <a:p>
+            <a:pPr algn="ctr"/>
+            <a:endParaRPr lang="zh-CN" altLang="en-US"/>
+          </a:p>
+        </p:txBody>
+      </p:sp>
+      <p:cxnSp>
+        <p:nvCxnSpPr>
+          <p:cNvPr id="1037" name="直接连接符 1036">
+            <a:extLst>
+              <a:ext uri="{FF2B5EF4-FFF2-40B4-BE49-F238E27FC236}">
+                <a16:creationId xmlns:a16="http://schemas.microsoft.com/office/drawing/2014/main" id="{A679CFA4-9EC8-1214-2E72-51550A4FEF6E}"/>
+              </a:ext>
+            </a:extLst>
+          </p:cNvPr>
+          <p:cNvCxnSpPr>
+            <a:cxnSpLocks/>
+            <a:stCxn id="1035" idx="0"/>
+          </p:cNvCxnSpPr>
+          <p:nvPr/>
+        </p:nvCxnSpPr>
+        <p:spPr>
+          <a:xfrm flipV="1">
+            <a:off x="6028594" y="5394962"/>
+            <a:ext cx="0" cy="160321"/>
+          </a:xfrm>
+          <a:prstGeom prst="line">
+            <a:avLst/>
+          </a:prstGeom>
+        </p:spPr>
+        <p:style>
+          <a:lnRef idx="1">
+            <a:schemeClr val="dk1"/>
+          </a:lnRef>
+          <a:fillRef idx="0">
+            <a:schemeClr val="dk1"/>
+          </a:fillRef>
+          <a:effectRef idx="0">
+            <a:schemeClr val="dk1"/>
+          </a:effectRef>
+          <a:fontRef idx="minor">
+            <a:schemeClr val="tx1"/>
+          </a:fontRef>
+        </p:style>
+      </p:cxnSp>
+      <p:cxnSp>
+        <p:nvCxnSpPr>
+          <p:cNvPr id="1040" name="直接连接符 1039">
+            <a:extLst>
+              <a:ext uri="{FF2B5EF4-FFF2-40B4-BE49-F238E27FC236}">
+                <a16:creationId xmlns:a16="http://schemas.microsoft.com/office/drawing/2014/main" id="{67FA8A0F-2A46-7293-291F-F8E0699E8B3F}"/>
+              </a:ext>
+            </a:extLst>
+          </p:cNvPr>
+          <p:cNvCxnSpPr>
+            <a:stCxn id="1035" idx="2"/>
+          </p:cNvCxnSpPr>
+          <p:nvPr/>
+        </p:nvCxnSpPr>
+        <p:spPr>
+          <a:xfrm>
+            <a:off x="6028594" y="6062671"/>
+            <a:ext cx="0" cy="176405"/>
+          </a:xfrm>
+          <a:prstGeom prst="line">
+            <a:avLst/>
+          </a:prstGeom>
+        </p:spPr>
+        <p:style>
+          <a:lnRef idx="1">
+            <a:schemeClr val="dk1"/>
+          </a:lnRef>
+          <a:fillRef idx="0">
+            <a:schemeClr val="dk1"/>
+          </a:fillRef>
+          <a:effectRef idx="0">
+            <a:schemeClr val="dk1"/>
+          </a:effectRef>
+          <a:fontRef idx="minor">
+            <a:schemeClr val="tx1"/>
+          </a:fontRef>
+        </p:style>
+      </p:cxnSp>
     </p:spTree>
     <p:extLst>
       <p:ext uri="{BB962C8B-B14F-4D97-AF65-F5344CB8AC3E}">
